--- a/output/summary_presentation.pptx
+++ b/output/summary_presentation.pptx
@@ -6,6 +6,9 @@
   </p:sldMasterIdLst>
   <p:sldIdLst>
     <p:sldId id="256" r:id="rId7"/>
+    <p:sldId id="257" r:id="rId8"/>
+    <p:sldId id="258" r:id="rId9"/>
+    <p:sldId id="259" r:id="rId10"/>
   </p:sldIdLst>
   <p:sldSz cx="9144000" cy="6858000" type="screen4x3"/>
   <p:notesSz cx="6858000" cy="9144000"/>
@@ -3104,7 +3107,7 @@
           <a:lstStyle/>
           <a:p>
             <a:r>
-              <a:t>Summary - Goal: inform</a:t>
+              <a:t>Summary - Goal: persuade</a:t>
             </a:r>
           </a:p>
         </p:txBody>
@@ -3125,10 +3128,259 @@
           <a:lstStyle/>
           <a:p>
             <a:r>
-              <a:t>This EUROCALL Review article (Kruk, 2017) investigates how advanced Polish English learners utilize mobile devices for language study.  A qualitative and quantitative analysis of semi-structured interviews with 20 university students reveals that while smartphones are the primary tool, usage is primarily for vocabulary acquisition via online dictionaries and apps like Duolingo.  While most students find mobile learning convenient and effective, enhancing their study time and vocabulary,  application to other language skills (reading, listening, speaking, grammar) remains limited.  The author suggests that increased teacher awareness and integration of mobile devices into classroom activities could significantly improve their pedagogical impact.  The study's limitations include a small, homogenous sample size and a single interview per participant.</a:t>
-            </a:r>
-          </a:p>
-          <a:p/>
+              <a:t>This presentation summarizes the key points.</a:t>
+            </a:r>
+          </a:p>
+        </p:txBody>
+      </p:sp>
+    </p:spTree>
+  </p:cSld>
+  <p:clrMapOvr>
+    <a:masterClrMapping/>
+  </p:clrMapOvr>
+</p:sld>
+</file>
+
+<file path=ppt/slides/slide2.xml><?xml version="1.0" encoding="utf-8"?>
+<p:sld xmlns:a="http://schemas.openxmlformats.org/drawingml/2006/main" xmlns:p="http://schemas.openxmlformats.org/presentationml/2006/main" xmlns:r="http://schemas.openxmlformats.org/officeDocument/2006/relationships">
+  <p:cSld>
+    <p:spTree>
+      <p:nvGrpSpPr>
+        <p:cNvPr id="1" name=""/>
+        <p:cNvGrpSpPr/>
+        <p:nvPr/>
+      </p:nvGrpSpPr>
+      <p:grpSpPr/>
+      <p:sp>
+        <p:nvSpPr>
+          <p:cNvPr id="2" name="Title 1"/>
+          <p:cNvSpPr>
+            <a:spLocks noGrp="1"/>
+          </p:cNvSpPr>
+          <p:nvPr>
+            <p:ph type="title"/>
+          </p:nvPr>
+        </p:nvSpPr>
+        <p:spPr/>
+        <p:txBody>
+          <a:bodyPr/>
+          <a:lstStyle/>
+          <a:p>
+            <a:r>
+              <a:t>Slide 1</a:t>
+            </a:r>
+          </a:p>
+        </p:txBody>
+      </p:sp>
+      <p:sp>
+        <p:nvSpPr>
+          <p:cNvPr id="3" name="Content Placeholder 2"/>
+          <p:cNvSpPr>
+            <a:spLocks noGrp="1"/>
+          </p:cNvSpPr>
+          <p:nvPr>
+            <p:ph idx="1"/>
+          </p:nvPr>
+        </p:nvSpPr>
+        <p:spPr/>
+        <p:txBody>
+          <a:bodyPr/>
+          <a:lstStyle/>
+          <a:p>
+            <a:r>
+              <a:t>This research paper investigates how advanced</a:t>
+            </a:r>
+          </a:p>
+          <a:p>
+            <a:r>
+              <a:t>Polish English learners utilize mobile devices</a:t>
+            </a:r>
+          </a:p>
+          <a:p>
+            <a:r>
+              <a:t>for language learning. A semi-structured interview</a:t>
+            </a:r>
+          </a:p>
+          <a:p>
+            <a:r>
+              <a:t>study of 20 university students revealed</a:t>
+            </a:r>
+          </a:p>
+          <a:p>
+            <a:r>
+              <a:t>that while most used mobile devices</a:t>
+            </a:r>
+          </a:p>
+          <a:p>
+            <a:r>
+              <a:t>(primarily smartphones) for convenient access to</a:t>
+            </a:r>
+          </a:p>
+        </p:txBody>
+      </p:sp>
+    </p:spTree>
+  </p:cSld>
+  <p:clrMapOvr>
+    <a:masterClrMapping/>
+  </p:clrMapOvr>
+</p:sld>
+</file>
+
+<file path=ppt/slides/slide3.xml><?xml version="1.0" encoding="utf-8"?>
+<p:sld xmlns:a="http://schemas.openxmlformats.org/drawingml/2006/main" xmlns:p="http://schemas.openxmlformats.org/presentationml/2006/main" xmlns:r="http://schemas.openxmlformats.org/officeDocument/2006/relationships">
+  <p:cSld>
+    <p:spTree>
+      <p:nvGrpSpPr>
+        <p:cNvPr id="1" name=""/>
+        <p:cNvGrpSpPr/>
+        <p:nvPr/>
+      </p:nvGrpSpPr>
+      <p:grpSpPr/>
+      <p:sp>
+        <p:nvSpPr>
+          <p:cNvPr id="2" name="Title 1"/>
+          <p:cNvSpPr>
+            <a:spLocks noGrp="1"/>
+          </p:cNvSpPr>
+          <p:nvPr>
+            <p:ph type="title"/>
+          </p:nvPr>
+        </p:nvSpPr>
+        <p:spPr/>
+        <p:txBody>
+          <a:bodyPr/>
+          <a:lstStyle/>
+          <a:p>
+            <a:r>
+              <a:t>Slide 2</a:t>
+            </a:r>
+          </a:p>
+        </p:txBody>
+      </p:sp>
+      <p:sp>
+        <p:nvSpPr>
+          <p:cNvPr id="3" name="Content Placeholder 2"/>
+          <p:cNvSpPr>
+            <a:spLocks noGrp="1"/>
+          </p:cNvSpPr>
+          <p:nvPr>
+            <p:ph idx="1"/>
+          </p:nvPr>
+        </p:nvSpPr>
+        <p:spPr/>
+        <p:txBody>
+          <a:bodyPr/>
+          <a:lstStyle/>
+          <a:p>
+            <a:r>
+              <a:t>resources like online dictionaries and apps,</a:t>
+            </a:r>
+          </a:p>
+          <a:p>
+            <a:r>
+              <a:t>their usage was often ad-hoc and</a:t>
+            </a:r>
+          </a:p>
+          <a:p>
+            <a:r>
+              <a:t>primarily focused on vocabulary acquisition. The</a:t>
+            </a:r>
+          </a:p>
+          <a:p>
+            <a:r>
+              <a:t>researchers suggest that integrating mobile learning</a:t>
+            </a:r>
+          </a:p>
+          <a:p>
+            <a:r>
+              <a:t>into formal instruction, with teacher guidance</a:t>
+            </a:r>
+          </a:p>
+          <a:p>
+            <a:r>
+              <a:t>on appropriate app usage and task</a:t>
+            </a:r>
+          </a:p>
+        </p:txBody>
+      </p:sp>
+    </p:spTree>
+  </p:cSld>
+  <p:clrMapOvr>
+    <a:masterClrMapping/>
+  </p:clrMapOvr>
+</p:sld>
+</file>
+
+<file path=ppt/slides/slide4.xml><?xml version="1.0" encoding="utf-8"?>
+<p:sld xmlns:a="http://schemas.openxmlformats.org/drawingml/2006/main" xmlns:p="http://schemas.openxmlformats.org/presentationml/2006/main" xmlns:r="http://schemas.openxmlformats.org/officeDocument/2006/relationships">
+  <p:cSld>
+    <p:spTree>
+      <p:nvGrpSpPr>
+        <p:cNvPr id="1" name=""/>
+        <p:cNvGrpSpPr/>
+        <p:nvPr/>
+      </p:nvGrpSpPr>
+      <p:grpSpPr/>
+      <p:sp>
+        <p:nvSpPr>
+          <p:cNvPr id="2" name="Title 1"/>
+          <p:cNvSpPr>
+            <a:spLocks noGrp="1"/>
+          </p:cNvSpPr>
+          <p:nvPr>
+            <p:ph type="title"/>
+          </p:nvPr>
+        </p:nvSpPr>
+        <p:spPr/>
+        <p:txBody>
+          <a:bodyPr/>
+          <a:lstStyle/>
+          <a:p>
+            <a:r>
+              <a:t>Slide 3</a:t>
+            </a:r>
+          </a:p>
+        </p:txBody>
+      </p:sp>
+      <p:sp>
+        <p:nvSpPr>
+          <p:cNvPr id="3" name="Content Placeholder 2"/>
+          <p:cNvSpPr>
+            <a:spLocks noGrp="1"/>
+          </p:cNvSpPr>
+          <p:nvPr>
+            <p:ph idx="1"/>
+          </p:nvPr>
+        </p:nvSpPr>
+        <p:spPr/>
+        <p:txBody>
+          <a:bodyPr/>
+          <a:lstStyle/>
+          <a:p>
+            <a:r>
+              <a:t>design, could significantly enhance learner autonomy</a:t>
+            </a:r>
+          </a:p>
+          <a:p>
+            <a:r>
+              <a:t>and language skill development, particularly for</a:t>
+            </a:r>
+          </a:p>
+          <a:p>
+            <a:r>
+              <a:t>vocabulary and pronunciation. Limitations include a</a:t>
+            </a:r>
+          </a:p>
+          <a:p>
+            <a:r>
+              <a:t>small, homogenous sample size and a</a:t>
+            </a:r>
+          </a:p>
+          <a:p>
+            <a:r>
+              <a:t>single interview administration.</a:t>
+            </a:r>
+          </a:p>
         </p:txBody>
       </p:sp>
     </p:spTree>
